--- a/thesis/ukapp2/wqu_isc/sofware_design/Javabc05.pptx
+++ b/thesis/ukapp2/wqu_isc/sofware_design/Javabc05.pptx
@@ -1,6 +1,6 @@
 
 <file path=ppt/presentation.xml><?xml version="1.0" encoding="utf-8"?>
-<p:presentation xmlns:a="http://schemas.openxmlformats.org/drawingml/2006/main" xmlns:r="http://schemas.openxmlformats.org/officeDocument/2006/relationships" xmlns:p="http://schemas.openxmlformats.org/presentationml/2006/main" saveSubsetFonts="1">
+<p:presentation xmlns:a="http://schemas.openxmlformats.org/drawingml/2006/main" xmlns:r="http://schemas.openxmlformats.org/officeDocument/2006/relationships" xmlns:p="http://schemas.openxmlformats.org/presentationml/2006/main" embedTrueTypeFonts="1" saveSubsetFonts="1">
   <p:sldMasterIdLst>
     <p:sldMasterId id="2147483672" r:id="rId4"/>
   </p:sldMasterIdLst>
@@ -33,6 +33,27 @@
   </p:sldIdLst>
   <p:sldSz cx="9144000" cy="6858000" type="screen4x3"/>
   <p:notesSz cx="6858000" cy="9144000"/>
+  <p:embeddedFontLst>
+    <p:embeddedFont>
+      <p:font typeface="Calibri" panose="020F0502020204030204" pitchFamily="34" charset="0"/>
+      <p:regular r:id="rId28"/>
+      <p:bold r:id="rId29"/>
+      <p:italic r:id="rId30"/>
+      <p:boldItalic r:id="rId31"/>
+    </p:embeddedFont>
+    <p:embeddedFont>
+      <p:font typeface="Calibri Light" panose="020F0302020204030204" pitchFamily="34" charset="0"/>
+      <p:regular r:id="rId32"/>
+      <p:italic r:id="rId33"/>
+    </p:embeddedFont>
+    <p:embeddedFont>
+      <p:font typeface="Consolas" panose="020B0609020204030204" pitchFamily="49" charset="0"/>
+      <p:regular r:id="rId34"/>
+      <p:bold r:id="rId35"/>
+      <p:italic r:id="rId36"/>
+      <p:boldItalic r:id="rId37"/>
+    </p:embeddedFont>
+  </p:embeddedFontLst>
   <p:defaultTextStyle>
     <a:defPPr>
       <a:defRPr lang="en-US"/>
@@ -218,7 +239,7 @@
           <a:p>
             <a:fld id="{4358A756-45B2-441B-BD26-2888C6C79637}" type="datetimeFigureOut">
               <a:rPr lang="en-GB" smtClean="0"/>
-              <a:t>25/10/2020</a:t>
+              <a:t>27/10/2020</a:t>
             </a:fld>
             <a:endParaRPr lang="en-GB"/>
           </a:p>
@@ -3425,6 +3446,110 @@
 </p:notes>
 </file>
 
+<file path=ppt/notesSlides/notesSlide3.xml><?xml version="1.0" encoding="utf-8"?>
+<p:notes xmlns:a="http://schemas.openxmlformats.org/drawingml/2006/main" xmlns:r="http://schemas.openxmlformats.org/officeDocument/2006/relationships" xmlns:p="http://schemas.openxmlformats.org/presentationml/2006/main">
+  <p:cSld>
+    <p:spTree>
+      <p:nvGrpSpPr>
+        <p:cNvPr id="1" name=""/>
+        <p:cNvGrpSpPr/>
+        <p:nvPr/>
+      </p:nvGrpSpPr>
+      <p:grpSpPr>
+        <a:xfrm>
+          <a:off x="0" y="0"/>
+          <a:ext cx="0" cy="0"/>
+          <a:chOff x="0" y="0"/>
+          <a:chExt cx="0" cy="0"/>
+        </a:xfrm>
+      </p:grpSpPr>
+      <p:sp>
+        <p:nvSpPr>
+          <p:cNvPr id="2" name="Slide Image Placeholder 1"/>
+          <p:cNvSpPr>
+            <a:spLocks noGrp="1" noRot="1" noChangeAspect="1"/>
+          </p:cNvSpPr>
+          <p:nvPr>
+            <p:ph type="sldImg"/>
+          </p:nvPr>
+        </p:nvSpPr>
+        <p:spPr/>
+      </p:sp>
+      <p:sp>
+        <p:nvSpPr>
+          <p:cNvPr id="3" name="Notes Placeholder 2"/>
+          <p:cNvSpPr>
+            <a:spLocks noGrp="1"/>
+          </p:cNvSpPr>
+          <p:nvPr>
+            <p:ph type="body" idx="1"/>
+          </p:nvPr>
+        </p:nvSpPr>
+        <p:spPr/>
+        <p:txBody>
+          <a:bodyPr/>
+          <a:lstStyle/>
+          <a:p>
+            <a:pPr marL="0" marR="0" lvl="0" indent="0" algn="l" defTabSz="914400" rtl="0" eaLnBrk="1" fontAlgn="auto" latinLnBrk="0" hangingPunct="1">
+              <a:lnSpc>
+                <a:spcPct val="100000"/>
+              </a:lnSpc>
+              <a:spcBef>
+                <a:spcPts val="0"/>
+              </a:spcBef>
+              <a:spcAft>
+                <a:spcPts val="0"/>
+              </a:spcAft>
+              <a:buClrTx/>
+              <a:buSzTx/>
+              <a:buFontTx/>
+              <a:buNone/>
+              <a:tabLst/>
+              <a:defRPr/>
+            </a:pPr>
+            <a:r>
+              <a:rPr lang="en-GB"/>
+              <a:t>Create an exception handler for the appropriate portion of the Loan Calculator program developed in Lesson 3.</a:t>
+            </a:r>
+          </a:p>
+        </p:txBody>
+      </p:sp>
+      <p:sp>
+        <p:nvSpPr>
+          <p:cNvPr id="4" name="Slide Number Placeholder 3"/>
+          <p:cNvSpPr>
+            <a:spLocks noGrp="1"/>
+          </p:cNvSpPr>
+          <p:nvPr>
+            <p:ph type="sldNum" sz="quarter" idx="5"/>
+          </p:nvPr>
+        </p:nvSpPr>
+        <p:spPr/>
+        <p:txBody>
+          <a:bodyPr/>
+          <a:lstStyle/>
+          <a:p>
+            <a:fld id="{CBED2C08-AD98-45B5-84F2-FC10CCB1149B}" type="slidenum">
+              <a:rPr lang="en-GB" smtClean="0"/>
+              <a:t>21</a:t>
+            </a:fld>
+            <a:endParaRPr lang="en-GB"/>
+          </a:p>
+        </p:txBody>
+      </p:sp>
+    </p:spTree>
+    <p:extLst>
+      <p:ext uri="{BB962C8B-B14F-4D97-AF65-F5344CB8AC3E}">
+        <p14:creationId xmlns:p14="http://schemas.microsoft.com/office/powerpoint/2010/main" val="1782827613"/>
+      </p:ext>
+    </p:extLst>
+  </p:cSld>
+  <p:clrMapOvr>
+    <a:masterClrMapping/>
+  </p:clrMapOvr>
+</p:notes>
+</file>
+
 <file path=ppt/slideLayouts/slideLayout1.xml><?xml version="1.0" encoding="utf-8"?>
 <p:sldLayout xmlns:a="http://schemas.openxmlformats.org/drawingml/2006/main" xmlns:r="http://schemas.openxmlformats.org/officeDocument/2006/relationships" xmlns:p="http://schemas.openxmlformats.org/presentationml/2006/main" showMasterSp="0" type="title" preserve="1">
   <p:cSld name="Title Slide">
@@ -3651,7 +3776,7 @@
           <a:p>
             <a:fld id="{CD13FC2D-BEDB-45BE-AF82-649A39BEFF71}" type="datetimeFigureOut">
               <a:rPr lang="en-GB" smtClean="0"/>
-              <a:t>25/10/2020</a:t>
+              <a:t>27/10/2020</a:t>
             </a:fld>
             <a:endParaRPr lang="en-GB"/>
           </a:p>
@@ -3862,7 +3987,7 @@
           <a:p>
             <a:fld id="{CD13FC2D-BEDB-45BE-AF82-649A39BEFF71}" type="datetimeFigureOut">
               <a:rPr lang="en-GB" smtClean="0"/>
-              <a:t>25/10/2020</a:t>
+              <a:t>27/10/2020</a:t>
             </a:fld>
             <a:endParaRPr lang="en-GB"/>
           </a:p>
@@ -4121,7 +4246,7 @@
           <a:p>
             <a:fld id="{CD13FC2D-BEDB-45BE-AF82-649A39BEFF71}" type="datetimeFigureOut">
               <a:rPr lang="en-GB" smtClean="0"/>
-              <a:t>25/10/2020</a:t>
+              <a:t>27/10/2020</a:t>
             </a:fld>
             <a:endParaRPr lang="en-GB"/>
           </a:p>
@@ -4294,7 +4419,7 @@
           <a:p>
             <a:fld id="{CD13FC2D-BEDB-45BE-AF82-649A39BEFF71}" type="datetimeFigureOut">
               <a:rPr lang="en-GB" smtClean="0"/>
-              <a:t>25/10/2020</a:t>
+              <a:t>27/10/2020</a:t>
             </a:fld>
             <a:endParaRPr lang="en-GB"/>
           </a:p>
@@ -4640,7 +4765,7 @@
           <a:p>
             <a:fld id="{CD13FC2D-BEDB-45BE-AF82-649A39BEFF71}" type="datetimeFigureOut">
               <a:rPr lang="en-GB" smtClean="0"/>
-              <a:t>25/10/2020</a:t>
+              <a:t>27/10/2020</a:t>
             </a:fld>
             <a:endParaRPr lang="en-GB"/>
           </a:p>
@@ -4918,7 +5043,7 @@
           <a:p>
             <a:fld id="{CD13FC2D-BEDB-45BE-AF82-649A39BEFF71}" type="datetimeFigureOut">
               <a:rPr lang="en-GB" smtClean="0"/>
-              <a:t>25/10/2020</a:t>
+              <a:t>27/10/2020</a:t>
             </a:fld>
             <a:endParaRPr lang="en-GB"/>
           </a:p>
@@ -5300,7 +5425,7 @@
           <a:p>
             <a:fld id="{CD13FC2D-BEDB-45BE-AF82-649A39BEFF71}" type="datetimeFigureOut">
               <a:rPr lang="en-GB" smtClean="0"/>
-              <a:t>25/10/2020</a:t>
+              <a:t>27/10/2020</a:t>
             </a:fld>
             <a:endParaRPr lang="en-GB"/>
           </a:p>
@@ -5421,7 +5546,7 @@
           <a:p>
             <a:fld id="{CD13FC2D-BEDB-45BE-AF82-649A39BEFF71}" type="datetimeFigureOut">
               <a:rPr lang="en-GB" smtClean="0"/>
-              <a:t>25/10/2020</a:t>
+              <a:t>27/10/2020</a:t>
             </a:fld>
             <a:endParaRPr lang="en-GB"/>
           </a:p>
@@ -5595,7 +5720,7 @@
           <a:p>
             <a:fld id="{CD13FC2D-BEDB-45BE-AF82-649A39BEFF71}" type="datetimeFigureOut">
               <a:rPr lang="en-GB" smtClean="0"/>
-              <a:t>25/10/2020</a:t>
+              <a:t>27/10/2020</a:t>
             </a:fld>
             <a:endParaRPr lang="en-GB"/>
           </a:p>
@@ -5952,7 +6077,7 @@
           <a:p>
             <a:fld id="{CD13FC2D-BEDB-45BE-AF82-649A39BEFF71}" type="datetimeFigureOut">
               <a:rPr lang="en-GB" smtClean="0"/>
-              <a:t>25/10/2020</a:t>
+              <a:t>27/10/2020</a:t>
             </a:fld>
             <a:endParaRPr lang="en-GB"/>
           </a:p>
@@ -6337,7 +6462,7 @@
           <a:p>
             <a:fld id="{CD13FC2D-BEDB-45BE-AF82-649A39BEFF71}" type="datetimeFigureOut">
               <a:rPr lang="en-GB" smtClean="0"/>
-              <a:t>25/10/2020</a:t>
+              <a:t>27/10/2020</a:t>
             </a:fld>
             <a:endParaRPr lang="en-GB"/>
           </a:p>
@@ -6627,7 +6752,7 @@
           <a:p>
             <a:fld id="{CD13FC2D-BEDB-45BE-AF82-649A39BEFF71}" type="datetimeFigureOut">
               <a:rPr lang="en-GB" smtClean="0"/>
-              <a:t>25/10/2020</a:t>
+              <a:t>27/10/2020</a:t>
             </a:fld>
             <a:endParaRPr lang="en-GB"/>
           </a:p>
@@ -7401,7 +7526,7 @@
             </a:pPr>
             <a:r>
               <a:rPr lang="en-GB" dirty="0"/>
-              <a:t>Entry (type=class {Entry})</a:t>
+              <a:t>Entry list (type=class {Entry})</a:t>
             </a:r>
           </a:p>
           <a:p>
@@ -7489,6 +7614,14 @@
             <a:r>
               <a:rPr lang="en-GB" dirty="0"/>
               <a:t>Phone Number (type=</a:t>
+            </a:r>
+            <a:r>
+              <a:rPr lang="en-GB" dirty="0" err="1"/>
+              <a:t>string,public</a:t>
+            </a:r>
+            <a:r>
+              <a:rPr lang="en-GB" dirty="0"/>
+              <a:t>)</a:t>
             </a:r>
           </a:p>
           <a:p>
@@ -8603,10 +8736,10 @@
       </p:sp>
       <p:pic>
         <p:nvPicPr>
-          <p:cNvPr id="11" name="Content Placeholder 10" descr="Chart, diagram, box and whisker chart&#10;&#10;Description automatically generated">
+          <p:cNvPr id="6" name="Content Placeholder 5" descr="Chart, diagram, box and whisker chart&#10;&#10;Description automatically generated">
             <a:extLst>
               <a:ext uri="{FF2B5EF4-FFF2-40B4-BE49-F238E27FC236}">
-                <a16:creationId xmlns:a16="http://schemas.microsoft.com/office/drawing/2014/main" id="{A2A2D235-FBA0-419F-BB75-2FF1825B0601}"/>
+                <a16:creationId xmlns:a16="http://schemas.microsoft.com/office/drawing/2014/main" id="{62DBD408-7ADD-4990-BA02-644242C7991E}"/>
               </a:ext>
             </a:extLst>
           </p:cNvPr>
@@ -8631,8 +8764,8 @@
         </p:blipFill>
         <p:spPr>
           <a:xfrm>
-            <a:off x="1203632" y="2594610"/>
-            <a:ext cx="6781186" cy="2526030"/>
+            <a:off x="1203630" y="2594610"/>
+            <a:ext cx="6781190" cy="2526030"/>
           </a:xfrm>
         </p:spPr>
       </p:pic>
@@ -8926,113 +9059,6 @@
                 <a:latin typeface="Consolas" panose="020B0609020204030204" pitchFamily="49" charset="0"/>
               </a:rPr>
               <a:t>];</a:t>
-            </a:r>
-          </a:p>
-          <a:p>
-            <a:pPr>
-              <a:spcBef>
-                <a:spcPts val="0"/>
-              </a:spcBef>
-            </a:pPr>
-            <a:r>
-              <a:rPr lang="en-GB" sz="1100" b="0" dirty="0">
-                <a:solidFill>
-                  <a:srgbClr val="569CD6"/>
-                </a:solidFill>
-                <a:effectLst/>
-                <a:latin typeface="Consolas" panose="020B0609020204030204" pitchFamily="49" charset="0"/>
-              </a:rPr>
-              <a:t>private</a:t>
-            </a:r>
-            <a:r>
-              <a:rPr lang="en-GB" sz="1100" b="0" dirty="0">
-                <a:solidFill>
-                  <a:srgbClr val="D4D4D4"/>
-                </a:solidFill>
-                <a:effectLst/>
-                <a:latin typeface="Consolas" panose="020B0609020204030204" pitchFamily="49" charset="0"/>
-              </a:rPr>
-              <a:t> </a:t>
-            </a:r>
-            <a:r>
-              <a:rPr lang="en-GB" sz="1100" b="0" dirty="0">
-                <a:solidFill>
-                  <a:srgbClr val="4EC9B0"/>
-                </a:solidFill>
-                <a:effectLst/>
-                <a:latin typeface="Consolas" panose="020B0609020204030204" pitchFamily="49" charset="0"/>
-              </a:rPr>
-              <a:t>StringBuilder</a:t>
-            </a:r>
-            <a:r>
-              <a:rPr lang="en-GB" sz="1100" b="0" dirty="0">
-                <a:solidFill>
-                  <a:srgbClr val="D4D4D4"/>
-                </a:solidFill>
-                <a:effectLst/>
-                <a:latin typeface="Consolas" panose="020B0609020204030204" pitchFamily="49" charset="0"/>
-              </a:rPr>
-              <a:t> </a:t>
-            </a:r>
-            <a:r>
-              <a:rPr lang="en-GB" sz="1100" b="0" dirty="0" err="1">
-                <a:solidFill>
-                  <a:srgbClr val="9CDCFE"/>
-                </a:solidFill>
-                <a:effectLst/>
-                <a:latin typeface="Consolas" panose="020B0609020204030204" pitchFamily="49" charset="0"/>
-              </a:rPr>
-              <a:t>sb</a:t>
-            </a:r>
-            <a:r>
-              <a:rPr lang="en-GB" sz="1100" b="0" dirty="0">
-                <a:solidFill>
-                  <a:srgbClr val="D4D4D4"/>
-                </a:solidFill>
-                <a:effectLst/>
-                <a:latin typeface="Consolas" panose="020B0609020204030204" pitchFamily="49" charset="0"/>
-              </a:rPr>
-              <a:t>=</a:t>
-            </a:r>
-            <a:r>
-              <a:rPr lang="en-GB" sz="1100" b="0" dirty="0">
-                <a:solidFill>
-                  <a:srgbClr val="C586C0"/>
-                </a:solidFill>
-                <a:effectLst/>
-                <a:latin typeface="Consolas" panose="020B0609020204030204" pitchFamily="49" charset="0"/>
-              </a:rPr>
-              <a:t>new</a:t>
-            </a:r>
-            <a:r>
-              <a:rPr lang="en-GB" sz="1100" b="0" dirty="0">
-                <a:solidFill>
-                  <a:srgbClr val="D4D4D4"/>
-                </a:solidFill>
-                <a:effectLst/>
-                <a:latin typeface="Consolas" panose="020B0609020204030204" pitchFamily="49" charset="0"/>
-              </a:rPr>
-              <a:t> </a:t>
-            </a:r>
-            <a:r>
-              <a:rPr lang="en-GB" sz="1100" b="0" dirty="0">
-                <a:solidFill>
-                  <a:srgbClr val="DCDCAA"/>
-                </a:solidFill>
-                <a:effectLst/>
-                <a:latin typeface="Consolas" panose="020B0609020204030204" pitchFamily="49" charset="0"/>
-              </a:rPr>
-              <a:t>StringBuilder</a:t>
-            </a:r>
-            <a:r>
-              <a:rPr lang="en-GB" sz="1100" b="0" dirty="0">
-                <a:solidFill>
-                  <a:srgbClr val="D4D4D4"/>
-                </a:solidFill>
-                <a:effectLst/>
-                <a:latin typeface="Consolas" panose="020B0609020204030204" pitchFamily="49" charset="0"/>
-              </a:rPr>
-              <a:t>();</a:t>
             </a:r>
           </a:p>
           <a:p>
@@ -17897,6 +17923,16 @@
               <a:t> = </a:t>
             </a:r>
             <a:r>
+              <a:rPr lang="en-GB" sz="1400" b="0" dirty="0">
+                <a:solidFill>
+                  <a:srgbClr val="9CDCFE"/>
+                </a:solidFill>
+                <a:effectLst/>
+                <a:latin typeface="Consolas" panose="020B0609020204030204" pitchFamily="49" charset="0"/>
+              </a:rPr>
+              <a:t> </a:t>
+            </a:r>
+            <a:r>
               <a:rPr lang="en-GB" sz="1400" b="0" dirty="0" err="1">
                 <a:solidFill>
                   <a:srgbClr val="9CDCFE"/>
@@ -17904,7 +17940,7 @@
                 <a:effectLst/>
                 <a:latin typeface="Consolas" panose="020B0609020204030204" pitchFamily="49" charset="0"/>
               </a:rPr>
-              <a:t>map</a:t>
+              <a:t>addressBook</a:t>
             </a:r>
             <a:r>
               <a:rPr lang="en-GB" sz="1400" b="0" dirty="0" err="1">
@@ -18319,6 +18355,16 @@
               <a:t> = </a:t>
             </a:r>
             <a:r>
+              <a:rPr lang="en-GB" sz="1400" b="0" dirty="0">
+                <a:solidFill>
+                  <a:srgbClr val="9CDCFE"/>
+                </a:solidFill>
+                <a:effectLst/>
+                <a:latin typeface="Consolas" panose="020B0609020204030204" pitchFamily="49" charset="0"/>
+              </a:rPr>
+              <a:t> </a:t>
+            </a:r>
+            <a:r>
               <a:rPr lang="en-GB" sz="1400" b="0" dirty="0" err="1">
                 <a:solidFill>
                   <a:srgbClr val="9CDCFE"/>
@@ -18326,7 +18372,7 @@
                 <a:effectLst/>
                 <a:latin typeface="Consolas" panose="020B0609020204030204" pitchFamily="49" charset="0"/>
               </a:rPr>
-              <a:t>map</a:t>
+              <a:t>addressBook</a:t>
             </a:r>
             <a:r>
               <a:rPr lang="en-GB" sz="1400" b="0" dirty="0" err="1">
@@ -19108,7 +19154,7 @@
                 <a:effectLst/>
                 <a:latin typeface="Consolas" panose="020B0609020204030204" pitchFamily="49" charset="0"/>
               </a:rPr>
-              <a:t>Entry</a:t>
+              <a:t>String</a:t>
             </a:r>
             <a:r>
               <a:rPr lang="en-GB" sz="1400" b="0" dirty="0">
@@ -19218,7 +19264,7 @@
               <a:t>(</a:t>
             </a:r>
             <a:r>
-              <a:rPr lang="en-GB" sz="1400" b="0" dirty="0" err="1">
+              <a:rPr lang="en-GB" sz="1400" b="0" dirty="0">
                 <a:solidFill>
                   <a:srgbClr val="9CDCFE"/>
                 </a:solidFill>
@@ -19226,26 +19272,6 @@
                 <a:latin typeface="Consolas" panose="020B0609020204030204" pitchFamily="49" charset="0"/>
               </a:rPr>
               <a:t>entry</a:t>
-            </a:r>
-            <a:r>
-              <a:rPr lang="en-GB" sz="1400" b="0" dirty="0" err="1">
-                <a:solidFill>
-                  <a:srgbClr val="D4D4D4"/>
-                </a:solidFill>
-                <a:effectLst/>
-                <a:latin typeface="Consolas" panose="020B0609020204030204" pitchFamily="49" charset="0"/>
-              </a:rPr>
-              <a:t>.</a:t>
-            </a:r>
-            <a:r>
-              <a:rPr lang="en-GB" sz="1400" b="0" dirty="0" err="1">
-                <a:solidFill>
-                  <a:srgbClr val="9CDCFE"/>
-                </a:solidFill>
-                <a:effectLst/>
-                <a:latin typeface="Consolas" panose="020B0609020204030204" pitchFamily="49" charset="0"/>
-              </a:rPr>
-              <a:t>entryName</a:t>
             </a:r>
             <a:r>
               <a:rPr lang="en-GB" sz="1400" b="0" dirty="0">
@@ -19469,10 +19495,20 @@
                 <a:effectLst/>
                 <a:latin typeface="Consolas" panose="020B0609020204030204" pitchFamily="49" charset="0"/>
               </a:rPr>
-              <a:t>\t</a:t>
-            </a:r>
-            <a:r>
-              <a:rPr lang="en-GB" sz="1400" b="0" dirty="0">
+              <a:t>\</a:t>
+            </a:r>
+            <a:r>
+              <a:rPr lang="en-GB" sz="1400" b="0" dirty="0" err="1">
+                <a:solidFill>
+                  <a:srgbClr val="D7BA7D"/>
+                </a:solidFill>
+                <a:effectLst/>
+                <a:latin typeface="Consolas" panose="020B0609020204030204" pitchFamily="49" charset="0"/>
+              </a:rPr>
+              <a:t>t</a:t>
+            </a:r>
+            <a:r>
+              <a:rPr lang="en-GB" sz="1400" b="0" dirty="0" err="1">
                 <a:solidFill>
                   <a:srgbClr val="CE9178"/>
                 </a:solidFill>
@@ -19482,7 +19518,7 @@
               <a:t>"</a:t>
             </a:r>
             <a:r>
-              <a:rPr lang="en-GB" sz="1400" b="0" dirty="0">
+              <a:rPr lang="en-GB" sz="1400" b="0" dirty="0" err="1">
                 <a:solidFill>
                   <a:srgbClr val="D4D4D4"/>
                 </a:solidFill>
@@ -19492,34 +19528,13 @@
               <a:t>+</a:t>
             </a:r>
             <a:r>
-              <a:rPr lang="en-GB" sz="1400" b="0" dirty="0" err="1">
+              <a:rPr lang="en-GB" sz="1400" dirty="0" err="1">
                 <a:solidFill>
                   <a:srgbClr val="9CDCFE"/>
                 </a:solidFill>
-                <a:effectLst/>
-                <a:latin typeface="Consolas" panose="020B0609020204030204" pitchFamily="49" charset="0"/>
-              </a:rPr>
-              <a:t>entry</a:t>
-            </a:r>
-            <a:r>
-              <a:rPr lang="en-GB" sz="1400" b="0" dirty="0" err="1">
-                <a:solidFill>
-                  <a:srgbClr val="D4D4D4"/>
-                </a:solidFill>
-                <a:effectLst/>
-                <a:latin typeface="Consolas" panose="020B0609020204030204" pitchFamily="49" charset="0"/>
-              </a:rPr>
-              <a:t>.</a:t>
-            </a:r>
-            <a:r>
-              <a:rPr lang="en-GB" sz="1400" b="0" dirty="0" err="1">
-                <a:solidFill>
-                  <a:srgbClr val="9CDCFE"/>
-                </a:solidFill>
-                <a:effectLst/>
-                <a:latin typeface="Consolas" panose="020B0609020204030204" pitchFamily="49" charset="0"/>
-              </a:rPr>
-              <a:t>entryName</a:t>
+                <a:latin typeface="Consolas" panose="020B0609020204030204" pitchFamily="49" charset="0"/>
+              </a:rPr>
+              <a:t>name</a:t>
             </a:r>
             <a:r>
               <a:rPr lang="en-GB" sz="1400" b="0" dirty="0">
@@ -19629,7 +19644,7 @@
               <a:t>+</a:t>
             </a:r>
             <a:r>
-              <a:rPr lang="en-GB" sz="1400" b="0" dirty="0" err="1">
+              <a:rPr lang="en-GB" sz="1400" b="0" dirty="0">
                 <a:solidFill>
                   <a:srgbClr val="9CDCFE"/>
                 </a:solidFill>
@@ -19637,26 +19652,6 @@
                 <a:latin typeface="Consolas" panose="020B0609020204030204" pitchFamily="49" charset="0"/>
               </a:rPr>
               <a:t>entry</a:t>
-            </a:r>
-            <a:r>
-              <a:rPr lang="en-GB" sz="1400" b="0" dirty="0" err="1">
-                <a:solidFill>
-                  <a:srgbClr val="D4D4D4"/>
-                </a:solidFill>
-                <a:effectLst/>
-                <a:latin typeface="Consolas" panose="020B0609020204030204" pitchFamily="49" charset="0"/>
-              </a:rPr>
-              <a:t>.</a:t>
-            </a:r>
-            <a:r>
-              <a:rPr lang="en-GB" sz="1400" b="0" dirty="0" err="1">
-                <a:solidFill>
-                  <a:srgbClr val="9CDCFE"/>
-                </a:solidFill>
-                <a:effectLst/>
-                <a:latin typeface="Consolas" panose="020B0609020204030204" pitchFamily="49" charset="0"/>
-              </a:rPr>
-              <a:t>phoneNumber</a:t>
             </a:r>
             <a:r>
               <a:rPr lang="en-GB" sz="1400" b="0" dirty="0">
@@ -19703,7 +19698,27 @@
                 <a:effectLst/>
                 <a:latin typeface="Consolas" panose="020B0609020204030204" pitchFamily="49" charset="0"/>
               </a:rPr>
-              <a:t> entry;</a:t>
+              <a:t> new Entry(</a:t>
+            </a:r>
+            <a:r>
+              <a:rPr lang="en-GB" sz="1400" b="0" dirty="0" err="1">
+                <a:solidFill>
+                  <a:srgbClr val="D4D4D4"/>
+                </a:solidFill>
+                <a:effectLst/>
+                <a:latin typeface="Consolas" panose="020B0609020204030204" pitchFamily="49" charset="0"/>
+              </a:rPr>
+              <a:t>name,entry</a:t>
+            </a:r>
+            <a:r>
+              <a:rPr lang="en-GB" sz="1400" b="0" dirty="0">
+                <a:solidFill>
+                  <a:srgbClr val="D4D4D4"/>
+                </a:solidFill>
+                <a:effectLst/>
+                <a:latin typeface="Consolas" panose="020B0609020204030204" pitchFamily="49" charset="0"/>
+              </a:rPr>
+              <a:t>);</a:t>
             </a:r>
           </a:p>
           <a:p>
@@ -20998,7 +21013,7 @@
 </file>
 
 <file path=ppt/slides/slide19.xml><?xml version="1.0" encoding="utf-8"?>
-<p:sld xmlns:a="http://schemas.openxmlformats.org/drawingml/2006/main" xmlns:r="http://schemas.openxmlformats.org/officeDocument/2006/relationships" xmlns:p="http://schemas.openxmlformats.org/presentationml/2006/main">
+<p:sld xmlns:a="http://schemas.openxmlformats.org/drawingml/2006/main" xmlns:r="http://schemas.openxmlformats.org/officeDocument/2006/relationships" xmlns:p="http://schemas.openxmlformats.org/presentationml/2006/main" show="0">
   <p:cSld>
     <p:spTree>
       <p:nvGrpSpPr>
@@ -23251,7 +23266,7 @@
 </file>
 
 <file path=ppt/slides/slide20.xml><?xml version="1.0" encoding="utf-8"?>
-<p:sld xmlns:a="http://schemas.openxmlformats.org/drawingml/2006/main" xmlns:r="http://schemas.openxmlformats.org/officeDocument/2006/relationships" xmlns:p="http://schemas.openxmlformats.org/presentationml/2006/main">
+<p:sld xmlns:a="http://schemas.openxmlformats.org/drawingml/2006/main" xmlns:r="http://schemas.openxmlformats.org/officeDocument/2006/relationships" xmlns:p="http://schemas.openxmlformats.org/presentationml/2006/main" show="0">
   <p:cSld>
     <p:spTree>
       <p:nvGrpSpPr>
@@ -23828,7 +23843,7 @@
               <a:buAutoNum type="arabicPeriod"/>
             </a:pPr>
             <a:r>
-              <a:rPr lang="en-GB" dirty="0"/>
+              <a:rPr lang="en-GB" sz="2800" dirty="0"/>
               <a:t>Implement the Address book using  arrays</a:t>
             </a:r>
           </a:p>
@@ -23838,7 +23853,7 @@
               <a:buAutoNum type="arabicPeriod"/>
             </a:pPr>
             <a:r>
-              <a:rPr lang="en-GB" dirty="0"/>
+              <a:rPr lang="en-GB" sz="2800" dirty="0"/>
               <a:t>Implement an address book using Lists</a:t>
             </a:r>
           </a:p>
@@ -23848,7 +23863,7 @@
               <a:buAutoNum type="arabicPeriod"/>
             </a:pPr>
             <a:r>
-              <a:rPr lang="en-GB" dirty="0"/>
+              <a:rPr lang="en-GB" sz="2800" dirty="0"/>
               <a:t>Implement address book using Map</a:t>
             </a:r>
           </a:p>
@@ -23858,26 +23873,9 @@
               <a:buAutoNum type="arabicPeriod"/>
             </a:pPr>
             <a:r>
-              <a:rPr lang="en-GB" dirty="0"/>
+              <a:rPr lang="en-GB" sz="2800" dirty="0"/>
               <a:t>(advanced) Implement a private sort method called by the List entries method of the address book that will display entries in alphabetical order</a:t>
             </a:r>
-          </a:p>
-          <a:p>
-            <a:pPr marL="457200" indent="-457200">
-              <a:buFont typeface="+mj-lt"/>
-              <a:buAutoNum type="arabicPeriod"/>
-            </a:pPr>
-            <a:r>
-              <a:rPr lang="en-GB" dirty="0"/>
-              <a:t>Create an exception handler for the appropriate portion of the Loan Calculator program developed in Lesson 3.</a:t>
-            </a:r>
-          </a:p>
-          <a:p>
-            <a:pPr marL="544068" lvl="1" indent="-342900">
-              <a:buFont typeface="+mj-lt"/>
-              <a:buAutoNum type="arabicPeriod"/>
-            </a:pPr>
-            <a:endParaRPr lang="en-GB" dirty="0"/>
           </a:p>
         </p:txBody>
       </p:sp>
@@ -25011,13 +25009,8 @@
           <a:p>
             <a:r>
               <a:rPr lang="en-GB" dirty="0"/>
-              <a:t>Introduction </a:t>
-            </a:r>
-            <a:r>
-              <a:rPr lang="en-GB"/>
-              <a:t>to collections</a:t>
-            </a:r>
-            <a:endParaRPr lang="en-GB" dirty="0"/>
+              <a:t>Introduction to Java collections</a:t>
+            </a:r>
           </a:p>
         </p:txBody>
       </p:sp>
@@ -25788,13 +25781,8 @@
           <a:p>
             <a:r>
               <a:rPr lang="en-GB" dirty="0"/>
-              <a:t>Introduction </a:t>
-            </a:r>
-            <a:r>
-              <a:rPr lang="en-GB"/>
-              <a:t>to collections</a:t>
-            </a:r>
-            <a:endParaRPr lang="en-GB" dirty="0"/>
+              <a:t>Introduction to Java collections</a:t>
+            </a:r>
           </a:p>
         </p:txBody>
       </p:sp>
@@ -26271,7 +26259,7 @@
           <a:p>
             <a:r>
               <a:rPr lang="en-GB" dirty="0"/>
-              <a:t>Lists Set’s and Maps</a:t>
+              <a:t>Lists Sets and Maps</a:t>
             </a:r>
           </a:p>
         </p:txBody>
@@ -30426,7 +30414,7 @@
             </a:pPr>
             <a:r>
               <a:rPr lang="en-GB" dirty="0"/>
-              <a:t> The code below shows how to use iterators.  However, these are hardly used as the simpler “for”-each-item-in-syntax also shown below is used as the alternative</a:t>
+              <a:t> The code below shows how to use iterators.  However, these are hardly used as the simpler “for”-(each)-item-in-syntax also shown below is used as the alternative</a:t>
             </a:r>
           </a:p>
           <a:p>

--- a/thesis/ukapp2/wqu_isc/sofware_design/Javabc05.pptx
+++ b/thesis/ukapp2/wqu_isc/sofware_design/Javabc05.pptx
@@ -24315,7 +24315,13 @@
               <a:rPr lang="en-GB" dirty="0">
                 <a:hlinkClick r:id="rId6"/>
               </a:rPr>
-              <a:t>Link to today’s Session  </a:t>
+              <a:t>Link to today’s </a:t>
+            </a:r>
+            <a:r>
+              <a:rPr lang="en-GB">
+                <a:hlinkClick r:id="rId6"/>
+              </a:rPr>
+              <a:t>Session screencast  </a:t>
             </a:r>
             <a:endParaRPr lang="en-GB" dirty="0"/>
           </a:p>
@@ -32915,6 +32921,15 @@
 </file>
 
 <file path=customXml/item2.xml><?xml version="1.0" encoding="utf-8"?>
+<?mso-contentType ?>
+<FormTemplates xmlns="http://schemas.microsoft.com/sharepoint/v3/contenttype/forms">
+  <Display>DocumentLibraryForm</Display>
+  <Edit>DocumentLibraryForm</Edit>
+  <New>DocumentLibraryForm</New>
+</FormTemplates>
+</file>
+
+<file path=customXml/item3.xml><?xml version="1.0" encoding="utf-8"?>
 <ct:contentTypeSchema xmlns:ct="http://schemas.microsoft.com/office/2006/metadata/contentType" xmlns:ma="http://schemas.microsoft.com/office/2006/metadata/properties/metaAttributes" ct:_="" ma:_="" ma:contentTypeName="Document" ma:contentTypeID="0x010100062A1965C0ED8D4B93D90EC9097FB304" ma:contentTypeVersion="13" ma:contentTypeDescription="Create a new document." ma:contentTypeScope="" ma:versionID="ad8c00255a362f38b965062bb6973433">
   <xsd:schema xmlns:xsd="http://www.w3.org/2001/XMLSchema" xmlns:xs="http://www.w3.org/2001/XMLSchema" xmlns:p="http://schemas.microsoft.com/office/2006/metadata/properties" xmlns:ns3="cab83b3b-4db3-4a13-8dd4-e60be6d87cf5" xmlns:ns4="c2e86655-d7ed-4420-bc92-1b9547829f54" targetNamespace="http://schemas.microsoft.com/office/2006/metadata/properties" ma:root="true" ma:fieldsID="d47f86c9060cacabc5fb99b2dd628c7d" ns3:_="" ns4:_="">
     <xsd:import namespace="cab83b3b-4db3-4a13-8dd4-e60be6d87cf5"/>
@@ -33137,15 +33152,6 @@
 </ct:contentTypeSchema>
 </file>
 
-<file path=customXml/item3.xml><?xml version="1.0" encoding="utf-8"?>
-<?mso-contentType ?>
-<FormTemplates xmlns="http://schemas.microsoft.com/sharepoint/v3/contenttype/forms">
-  <Display>DocumentLibraryForm</Display>
-  <Edit>DocumentLibraryForm</Edit>
-  <New>DocumentLibraryForm</New>
-</FormTemplates>
-</file>
-
 <file path=customXml/itemProps1.xml><?xml version="1.0" encoding="utf-8"?>
 <ds:datastoreItem xmlns:ds="http://schemas.openxmlformats.org/officeDocument/2006/customXml" ds:itemID="{1B174DBE-1AD7-495B-B168-212A7EE723A6}">
   <ds:schemaRefs>
@@ -33164,6 +33170,14 @@
 </file>
 
 <file path=customXml/itemProps2.xml><?xml version="1.0" encoding="utf-8"?>
+<ds:datastoreItem xmlns:ds="http://schemas.openxmlformats.org/officeDocument/2006/customXml" ds:itemID="{07A05CC1-FF68-453F-AE9C-352B80151440}">
+  <ds:schemaRefs>
+    <ds:schemaRef ds:uri="http://schemas.microsoft.com/sharepoint/v3/contenttype/forms"/>
+  </ds:schemaRefs>
+</ds:datastoreItem>
+</file>
+
+<file path=customXml/itemProps3.xml><?xml version="1.0" encoding="utf-8"?>
 <ds:datastoreItem xmlns:ds="http://schemas.openxmlformats.org/officeDocument/2006/customXml" ds:itemID="{03233C07-2685-44F7-9601-FF64EA49BA1B}">
   <ds:schemaRefs>
     <ds:schemaRef ds:uri="http://schemas.microsoft.com/office/2006/metadata/contentType"/>
@@ -33180,12 +33194,4 @@
     <ds:schemaRef ds:uri="http://schemas.microsoft.com/internal/obd"/>
   </ds:schemaRefs>
 </ds:datastoreItem>
-</file>
-
-<file path=customXml/itemProps3.xml><?xml version="1.0" encoding="utf-8"?>
-<ds:datastoreItem xmlns:ds="http://schemas.openxmlformats.org/officeDocument/2006/customXml" ds:itemID="{07A05CC1-FF68-453F-AE9C-352B80151440}">
-  <ds:schemaRefs>
-    <ds:schemaRef ds:uri="http://schemas.microsoft.com/sharepoint/v3/contenttype/forms"/>
-  </ds:schemaRefs>
-</ds:datastoreItem>
 </file>